--- a/images/gfw-figures.pptx
+++ b/images/gfw-figures.pptx
@@ -104,6 +104,11 @@
       </a:defRPr>
     </a:lvl9pPr>
   </p:defaultTextStyle>
+  <p:extLst>
+    <p:ext uri="{EFAFB233-063F-42B5-8137-9DF3F51BA10A}">
+      <p15:sldGuideLst xmlns:p15="http://schemas.microsoft.com/office/powerpoint/2012/main"/>
+    </p:ext>
+  </p:extLst>
 </p:presentation>
 </file>
 
@@ -3372,8 +3377,8 @@
         </p:blipFill>
         <p:spPr>
           <a:xfrm>
-            <a:off x="7817560" y="1464093"/>
-            <a:ext cx="2038259" cy="1045137"/>
+            <a:off x="7886690" y="1468355"/>
+            <a:ext cx="1937794" cy="993622"/>
           </a:xfrm>
           <a:prstGeom prst="rect">
             <a:avLst/>
@@ -3529,8 +3534,8 @@
         </p:blipFill>
         <p:spPr>
           <a:xfrm>
-            <a:off x="9003974" y="3986427"/>
-            <a:ext cx="1086890" cy="413628"/>
+            <a:off x="9003974" y="4016989"/>
+            <a:ext cx="1006579" cy="383065"/>
           </a:xfrm>
           <a:prstGeom prst="rect">
             <a:avLst/>
@@ -3616,8 +3621,8 @@
         </p:blipFill>
         <p:spPr>
           <a:xfrm>
-            <a:off x="9003974" y="4714902"/>
-            <a:ext cx="753484" cy="327275"/>
+            <a:off x="9003974" y="4733019"/>
+            <a:ext cx="650389" cy="282496"/>
           </a:xfrm>
           <a:prstGeom prst="rect">
             <a:avLst/>

--- a/images/gfw-figures.pptx
+++ b/images/gfw-figures.pptx
@@ -6,6 +6,7 @@
   </p:sldMasterIdLst>
   <p:sldIdLst>
     <p:sldId id="256" r:id="rId2"/>
+    <p:sldId id="257" r:id="rId3"/>
   </p:sldIdLst>
   <p:sldSz cx="12192000" cy="6858000"/>
   <p:notesSz cx="6858000" cy="9144000"/>
@@ -3855,6 +3856,135 @@
 </p:sld>
 </file>
 
+<file path=ppt/slides/slide2.xml><?xml version="1.0" encoding="utf-8"?>
+<p:sld xmlns:a="http://schemas.openxmlformats.org/drawingml/2006/main" xmlns:r="http://schemas.openxmlformats.org/officeDocument/2006/relationships" xmlns:p="http://schemas.openxmlformats.org/presentationml/2006/main">
+  <p:cSld>
+    <p:spTree>
+      <p:nvGrpSpPr>
+        <p:cNvPr id="1" name=""/>
+        <p:cNvGrpSpPr/>
+        <p:nvPr/>
+      </p:nvGrpSpPr>
+      <p:grpSpPr>
+        <a:xfrm>
+          <a:off x="0" y="0"/>
+          <a:ext cx="0" cy="0"/>
+          <a:chOff x="0" y="0"/>
+          <a:chExt cx="0" cy="0"/>
+        </a:xfrm>
+      </p:grpSpPr>
+      <p:pic>
+        <p:nvPicPr>
+          <p:cNvPr id="5" name="Picture 4">
+            <a:extLst>
+              <a:ext uri="{FF2B5EF4-FFF2-40B4-BE49-F238E27FC236}">
+                <a16:creationId xmlns:a16="http://schemas.microsoft.com/office/drawing/2014/main" id="{A2713714-5F4F-394C-9E7D-7C2C565EE382}"/>
+              </a:ext>
+            </a:extLst>
+          </p:cNvPr>
+          <p:cNvPicPr>
+            <a:picLocks noChangeAspect="1"/>
+          </p:cNvPicPr>
+          <p:nvPr/>
+        </p:nvPicPr>
+        <p:blipFill>
+          <a:blip r:embed="rId2"/>
+          <a:stretch>
+            <a:fillRect/>
+          </a:stretch>
+        </p:blipFill>
+        <p:spPr>
+          <a:xfrm>
+            <a:off x="285532" y="1246577"/>
+            <a:ext cx="3880884" cy="4259271"/>
+          </a:xfrm>
+          <a:prstGeom prst="rect">
+            <a:avLst/>
+          </a:prstGeom>
+          <a:ln w="12700">
+            <a:noFill/>
+          </a:ln>
+        </p:spPr>
+      </p:pic>
+      <p:pic>
+        <p:nvPicPr>
+          <p:cNvPr id="7" name="Picture 6">
+            <a:extLst>
+              <a:ext uri="{FF2B5EF4-FFF2-40B4-BE49-F238E27FC236}">
+                <a16:creationId xmlns:a16="http://schemas.microsoft.com/office/drawing/2014/main" id="{B82BEF82-0865-984A-9117-0E547ED3C1A5}"/>
+              </a:ext>
+            </a:extLst>
+          </p:cNvPr>
+          <p:cNvPicPr>
+            <a:picLocks noChangeAspect="1"/>
+          </p:cNvPicPr>
+          <p:nvPr/>
+        </p:nvPicPr>
+        <p:blipFill>
+          <a:blip r:embed="rId3"/>
+          <a:stretch>
+            <a:fillRect/>
+          </a:stretch>
+        </p:blipFill>
+        <p:spPr>
+          <a:xfrm>
+            <a:off x="4166416" y="1246576"/>
+            <a:ext cx="3880884" cy="4259271"/>
+          </a:xfrm>
+          <a:prstGeom prst="rect">
+            <a:avLst/>
+          </a:prstGeom>
+          <a:ln w="12700">
+            <a:noFill/>
+          </a:ln>
+        </p:spPr>
+      </p:pic>
+      <p:pic>
+        <p:nvPicPr>
+          <p:cNvPr id="9" name="Picture 8">
+            <a:extLst>
+              <a:ext uri="{FF2B5EF4-FFF2-40B4-BE49-F238E27FC236}">
+                <a16:creationId xmlns:a16="http://schemas.microsoft.com/office/drawing/2014/main" id="{0FD0D4D1-D885-6C41-8A6A-78828C222381}"/>
+              </a:ext>
+            </a:extLst>
+          </p:cNvPr>
+          <p:cNvPicPr>
+            <a:picLocks noChangeAspect="1"/>
+          </p:cNvPicPr>
+          <p:nvPr/>
+        </p:nvPicPr>
+        <p:blipFill>
+          <a:blip r:embed="rId4"/>
+          <a:stretch>
+            <a:fillRect/>
+          </a:stretch>
+        </p:blipFill>
+        <p:spPr>
+          <a:xfrm>
+            <a:off x="8047300" y="1246576"/>
+            <a:ext cx="3880885" cy="4259272"/>
+          </a:xfrm>
+          <a:prstGeom prst="rect">
+            <a:avLst/>
+          </a:prstGeom>
+          <a:ln w="12700">
+            <a:noFill/>
+          </a:ln>
+        </p:spPr>
+      </p:pic>
+    </p:spTree>
+    <p:extLst>
+      <p:ext uri="{BB962C8B-B14F-4D97-AF65-F5344CB8AC3E}">
+        <p14:creationId xmlns:p14="http://schemas.microsoft.com/office/powerpoint/2010/main" val="4202556030"/>
+      </p:ext>
+    </p:extLst>
+  </p:cSld>
+  <p:clrMapOvr>
+    <a:masterClrMapping/>
+  </p:clrMapOvr>
+</p:sld>
+</file>
+
 <file path=ppt/theme/theme1.xml><?xml version="1.0" encoding="utf-8"?>
 <a:theme xmlns:a="http://schemas.openxmlformats.org/drawingml/2006/main" name="Office Theme">
   <a:themeElements>

--- a/images/gfw-figures.pptx
+++ b/images/gfw-figures.pptx
@@ -3327,315 +3327,12 @@
           <a:chExt cx="0" cy="0"/>
         </a:xfrm>
       </p:grpSpPr>
-      <p:pic>
-        <p:nvPicPr>
-          <p:cNvPr id="5" name="Picture 4">
-            <a:extLst>
-              <a:ext uri="{FF2B5EF4-FFF2-40B4-BE49-F238E27FC236}">
-                <a16:creationId xmlns:a16="http://schemas.microsoft.com/office/drawing/2014/main" id="{0E1118A2-8BBF-6847-9AB3-DD8E78A5B7E3}"/>
-              </a:ext>
-            </a:extLst>
-          </p:cNvPr>
-          <p:cNvPicPr>
-            <a:picLocks noChangeAspect="1"/>
-          </p:cNvPicPr>
-          <p:nvPr/>
-        </p:nvPicPr>
-        <p:blipFill>
-          <a:blip r:embed="rId2"/>
-          <a:stretch>
-            <a:fillRect/>
-          </a:stretch>
-        </p:blipFill>
-        <p:spPr>
-          <a:xfrm>
-            <a:off x="1661070" y="719617"/>
-            <a:ext cx="9225160" cy="5189153"/>
-          </a:xfrm>
-          <a:prstGeom prst="rect">
-            <a:avLst/>
-          </a:prstGeom>
-        </p:spPr>
-      </p:pic>
-      <p:pic>
-        <p:nvPicPr>
-          <p:cNvPr id="22" name="Picture 21">
-            <a:extLst>
-              <a:ext uri="{FF2B5EF4-FFF2-40B4-BE49-F238E27FC236}">
-                <a16:creationId xmlns:a16="http://schemas.microsoft.com/office/drawing/2014/main" id="{F44D67C7-2283-1C44-9B2D-503FD5573B27}"/>
-              </a:ext>
-            </a:extLst>
-          </p:cNvPr>
-          <p:cNvPicPr>
-            <a:picLocks noChangeAspect="1"/>
-          </p:cNvPicPr>
-          <p:nvPr/>
-        </p:nvPicPr>
-        <p:blipFill rotWithShape="1">
-          <a:blip r:embed="rId3"/>
-          <a:srcRect l="13923" t="31745" r="13923" b="7932"/>
-          <a:stretch/>
-        </p:blipFill>
-        <p:spPr>
-          <a:xfrm>
-            <a:off x="7886690" y="1468355"/>
-            <a:ext cx="1937794" cy="993622"/>
-          </a:xfrm>
-          <a:prstGeom prst="rect">
-            <a:avLst/>
-          </a:prstGeom>
-        </p:spPr>
-      </p:pic>
-      <p:sp>
-        <p:nvSpPr>
-          <p:cNvPr id="12" name="TextBox 11">
-            <a:extLst>
-              <a:ext uri="{FF2B5EF4-FFF2-40B4-BE49-F238E27FC236}">
-                <a16:creationId xmlns:a16="http://schemas.microsoft.com/office/drawing/2014/main" id="{0079A4D6-085E-E344-93A4-78920A4C924A}"/>
-              </a:ext>
-            </a:extLst>
-          </p:cNvPr>
-          <p:cNvSpPr txBox="1"/>
-          <p:nvPr/>
-        </p:nvSpPr>
-        <p:spPr>
-          <a:xfrm>
-            <a:off x="7795336" y="984167"/>
-            <a:ext cx="2295528" cy="353943"/>
-          </a:xfrm>
-          <a:prstGeom prst="rect">
-            <a:avLst/>
-          </a:prstGeom>
-          <a:noFill/>
-        </p:spPr>
-        <p:txBody>
-          <a:bodyPr wrap="square" rtlCol="0">
-            <a:spAutoFit/>
-          </a:bodyPr>
-          <a:lstStyle/>
-          <a:p>
-            <a:r>
-              <a:rPr lang="en-US" sz="1700" b="1" dirty="0">
-                <a:solidFill>
-                  <a:schemeClr val="tx1">
-                    <a:lumMod val="75000"/>
-                    <a:lumOff val="25000"/>
-                  </a:schemeClr>
-                </a:solidFill>
-                <a:latin typeface="Arial" panose="020B0604020202020204" pitchFamily="34" charset="0"/>
-                <a:ea typeface="Helvetica Neue" panose="02000503000000020004" pitchFamily="2" charset="0"/>
-                <a:cs typeface="Arial" panose="020B0604020202020204" pitchFamily="34" charset="0"/>
-              </a:rPr>
-              <a:t>External Databases</a:t>
-            </a:r>
-          </a:p>
-        </p:txBody>
-      </p:sp>
-      <p:sp>
-        <p:nvSpPr>
-          <p:cNvPr id="17" name="Rectangle 16">
-            <a:extLst>
-              <a:ext uri="{FF2B5EF4-FFF2-40B4-BE49-F238E27FC236}">
-                <a16:creationId xmlns:a16="http://schemas.microsoft.com/office/drawing/2014/main" id="{EFB6B967-A38C-1842-A78C-B945EB2CF8D8}"/>
-              </a:ext>
-            </a:extLst>
-          </p:cNvPr>
-          <p:cNvSpPr/>
-          <p:nvPr/>
-        </p:nvSpPr>
-        <p:spPr>
-          <a:xfrm>
-            <a:off x="2667964" y="4519915"/>
-            <a:ext cx="1012785" cy="746567"/>
-          </a:xfrm>
-          <a:prstGeom prst="rect">
-            <a:avLst/>
-          </a:prstGeom>
-          <a:solidFill>
-            <a:schemeClr val="bg1"/>
-          </a:solidFill>
-          <a:ln>
-            <a:noFill/>
-          </a:ln>
-        </p:spPr>
-        <p:style>
-          <a:lnRef idx="2">
-            <a:schemeClr val="accent1">
-              <a:shade val="50000"/>
-            </a:schemeClr>
-          </a:lnRef>
-          <a:fillRef idx="1">
-            <a:schemeClr val="accent1"/>
-          </a:fillRef>
-          <a:effectRef idx="0">
-            <a:schemeClr val="accent1"/>
-          </a:effectRef>
-          <a:fontRef idx="minor">
-            <a:schemeClr val="lt1"/>
-          </a:fontRef>
-        </p:style>
-        <p:txBody>
-          <a:bodyPr rtlCol="0" anchor="ctr"/>
-          <a:lstStyle/>
-          <a:p>
-            <a:pPr algn="ctr"/>
-            <a:endParaRPr lang="en-US"/>
-          </a:p>
-        </p:txBody>
-      </p:sp>
-      <p:pic>
-        <p:nvPicPr>
-          <p:cNvPr id="20" name="Picture 19">
-            <a:extLst>
-              <a:ext uri="{FF2B5EF4-FFF2-40B4-BE49-F238E27FC236}">
-                <a16:creationId xmlns:a16="http://schemas.microsoft.com/office/drawing/2014/main" id="{6210132C-B9A7-1F41-8D80-8CCBED5E1069}"/>
-              </a:ext>
-            </a:extLst>
-          </p:cNvPr>
-          <p:cNvPicPr>
-            <a:picLocks noChangeAspect="1"/>
-          </p:cNvPicPr>
-          <p:nvPr/>
-        </p:nvPicPr>
-        <p:blipFill>
-          <a:blip r:embed="rId4"/>
-          <a:stretch>
-            <a:fillRect/>
-          </a:stretch>
-        </p:blipFill>
-        <p:spPr>
-          <a:xfrm>
-            <a:off x="2825901" y="4638313"/>
-            <a:ext cx="727526" cy="471909"/>
-          </a:xfrm>
-          <a:prstGeom prst="rect">
-            <a:avLst/>
-          </a:prstGeom>
-        </p:spPr>
-      </p:pic>
-      <p:pic>
-        <p:nvPicPr>
-          <p:cNvPr id="24" name="Picture 23">
-            <a:extLst>
-              <a:ext uri="{FF2B5EF4-FFF2-40B4-BE49-F238E27FC236}">
-                <a16:creationId xmlns:a16="http://schemas.microsoft.com/office/drawing/2014/main" id="{CD9C00AB-61F0-754D-8B8D-9A03173F057D}"/>
-              </a:ext>
-            </a:extLst>
-          </p:cNvPr>
-          <p:cNvPicPr>
-            <a:picLocks noChangeAspect="1"/>
-          </p:cNvPicPr>
-          <p:nvPr/>
-        </p:nvPicPr>
-        <p:blipFill>
-          <a:blip r:embed="rId5"/>
-          <a:stretch>
-            <a:fillRect/>
-          </a:stretch>
-        </p:blipFill>
-        <p:spPr>
-          <a:xfrm>
-            <a:off x="9003974" y="4016989"/>
-            <a:ext cx="1006579" cy="383065"/>
-          </a:xfrm>
-          <a:prstGeom prst="rect">
-            <a:avLst/>
-          </a:prstGeom>
-        </p:spPr>
-      </p:pic>
-      <p:pic>
-        <p:nvPicPr>
-          <p:cNvPr id="25" name="Picture 24">
-            <a:extLst>
-              <a:ext uri="{FF2B5EF4-FFF2-40B4-BE49-F238E27FC236}">
-                <a16:creationId xmlns:a16="http://schemas.microsoft.com/office/drawing/2014/main" id="{BBCBD00E-DC95-FA4C-B4E5-81CBFF55EBC9}"/>
-              </a:ext>
-            </a:extLst>
-          </p:cNvPr>
-          <p:cNvPicPr>
-            <a:picLocks noChangeAspect="1"/>
-          </p:cNvPicPr>
-          <p:nvPr/>
-        </p:nvPicPr>
-        <p:blipFill rotWithShape="1">
-          <a:blip r:embed="rId2"/>
-          <a:srcRect l="21873" t="65837" r="73046" b="32825"/>
-          <a:stretch/>
-        </p:blipFill>
-        <p:spPr>
-          <a:xfrm>
-            <a:off x="8391948" y="4158517"/>
-            <a:ext cx="468775" cy="69448"/>
-          </a:xfrm>
-          <a:prstGeom prst="rect">
-            <a:avLst/>
-          </a:prstGeom>
-        </p:spPr>
-      </p:pic>
-      <p:pic>
-        <p:nvPicPr>
-          <p:cNvPr id="26" name="Picture 25">
-            <a:extLst>
-              <a:ext uri="{FF2B5EF4-FFF2-40B4-BE49-F238E27FC236}">
-                <a16:creationId xmlns:a16="http://schemas.microsoft.com/office/drawing/2014/main" id="{484952A2-681C-434E-861B-FD70274A2764}"/>
-              </a:ext>
-            </a:extLst>
-          </p:cNvPr>
-          <p:cNvPicPr>
-            <a:picLocks noChangeAspect="1"/>
-          </p:cNvPicPr>
-          <p:nvPr/>
-        </p:nvPicPr>
-        <p:blipFill rotWithShape="1">
-          <a:blip r:embed="rId2"/>
-          <a:srcRect l="21873" t="65837" r="73046" b="32825"/>
-          <a:stretch/>
-        </p:blipFill>
-        <p:spPr>
-          <a:xfrm>
-            <a:off x="8391948" y="4874267"/>
-            <a:ext cx="468775" cy="69448"/>
-          </a:xfrm>
-          <a:prstGeom prst="rect">
-            <a:avLst/>
-          </a:prstGeom>
-        </p:spPr>
-      </p:pic>
-      <p:pic>
-        <p:nvPicPr>
-          <p:cNvPr id="28" name="Picture 27">
-            <a:extLst>
-              <a:ext uri="{FF2B5EF4-FFF2-40B4-BE49-F238E27FC236}">
-                <a16:creationId xmlns:a16="http://schemas.microsoft.com/office/drawing/2014/main" id="{41A8B85B-242F-624D-8BC0-7C4A41836198}"/>
-              </a:ext>
-            </a:extLst>
-          </p:cNvPr>
-          <p:cNvPicPr>
-            <a:picLocks noChangeAspect="1"/>
-          </p:cNvPicPr>
-          <p:nvPr/>
-        </p:nvPicPr>
-        <p:blipFill rotWithShape="1">
-          <a:blip r:embed="rId6"/>
-          <a:srcRect t="27956" b="28609"/>
-          <a:stretch/>
-        </p:blipFill>
-        <p:spPr>
-          <a:xfrm>
-            <a:off x="9003974" y="4733019"/>
-            <a:ext cx="650389" cy="282496"/>
-          </a:xfrm>
-          <a:prstGeom prst="rect">
-            <a:avLst/>
-          </a:prstGeom>
-        </p:spPr>
-      </p:pic>
       <p:grpSp>
         <p:nvGrpSpPr>
-          <p:cNvPr id="38" name="Group 37">
-            <a:extLst>
-              <a:ext uri="{FF2B5EF4-FFF2-40B4-BE49-F238E27FC236}">
-                <a16:creationId xmlns:a16="http://schemas.microsoft.com/office/drawing/2014/main" id="{86BAAE6D-A1FB-6B42-930F-FE9E8328DFDB}"/>
+          <p:cNvPr id="4" name="Group 3">
+            <a:extLst>
+              <a:ext uri="{FF2B5EF4-FFF2-40B4-BE49-F238E27FC236}">
+                <a16:creationId xmlns:a16="http://schemas.microsoft.com/office/drawing/2014/main" id="{4538A41B-F428-6C4B-BD11-2A3C25ECB13E}"/>
               </a:ext>
             </a:extLst>
           </p:cNvPr>
@@ -3643,19 +3340,49 @@
           <p:nvPr/>
         </p:nvGrpSpPr>
         <p:grpSpPr>
-          <a:xfrm rot="-3900000">
-            <a:off x="7792184" y="3113833"/>
-            <a:ext cx="1366332" cy="216536"/>
-            <a:chOff x="8795338" y="3457406"/>
-            <a:chExt cx="1504161" cy="216536"/>
+          <a:xfrm>
+            <a:off x="1261744" y="760128"/>
+            <a:ext cx="9225160" cy="5189153"/>
+            <a:chOff x="1261744" y="760128"/>
+            <a:chExt cx="9225160" cy="5189153"/>
           </a:xfrm>
         </p:grpSpPr>
         <p:pic>
           <p:nvPicPr>
-            <p:cNvPr id="36" name="Picture 35">
+            <p:cNvPr id="5" name="Picture 4">
               <a:extLst>
                 <a:ext uri="{FF2B5EF4-FFF2-40B4-BE49-F238E27FC236}">
-                  <a16:creationId xmlns:a16="http://schemas.microsoft.com/office/drawing/2014/main" id="{2FEB3664-519E-7743-8C94-4DBF1EB3A633}"/>
+                  <a16:creationId xmlns:a16="http://schemas.microsoft.com/office/drawing/2014/main" id="{0E1118A2-8BBF-6847-9AB3-DD8E78A5B7E3}"/>
+                </a:ext>
+              </a:extLst>
+            </p:cNvPr>
+            <p:cNvPicPr>
+              <a:picLocks noChangeAspect="1"/>
+            </p:cNvPicPr>
+            <p:nvPr/>
+          </p:nvPicPr>
+          <p:blipFill>
+            <a:blip r:embed="rId2"/>
+            <a:stretch>
+              <a:fillRect/>
+            </a:stretch>
+          </p:blipFill>
+          <p:spPr>
+            <a:xfrm>
+              <a:off x="1261744" y="760128"/>
+              <a:ext cx="9225160" cy="5189153"/>
+            </a:xfrm>
+            <a:prstGeom prst="rect">
+              <a:avLst/>
+            </a:prstGeom>
+          </p:spPr>
+        </p:pic>
+        <p:pic>
+          <p:nvPicPr>
+            <p:cNvPr id="22" name="Picture 21">
+              <a:extLst>
+                <a:ext uri="{FF2B5EF4-FFF2-40B4-BE49-F238E27FC236}">
+                  <a16:creationId xmlns:a16="http://schemas.microsoft.com/office/drawing/2014/main" id="{F44D67C7-2283-1C44-9B2D-503FD5573B27}"/>
                 </a:ext>
               </a:extLst>
             </p:cNvPr>
@@ -3665,14 +3392,14 @@
             <p:nvPr/>
           </p:nvPicPr>
           <p:blipFill rotWithShape="1">
-            <a:blip r:embed="rId2"/>
-            <a:srcRect l="41808" t="71615" r="41887" b="24944"/>
+            <a:blip r:embed="rId3"/>
+            <a:srcRect l="13923" t="31745" r="13923" b="7932"/>
             <a:stretch/>
           </p:blipFill>
           <p:spPr>
             <a:xfrm>
-              <a:off x="8795338" y="3495391"/>
-              <a:ext cx="1504161" cy="178551"/>
+              <a:off x="7472972" y="1489661"/>
+              <a:ext cx="1976849" cy="1013648"/>
             </a:xfrm>
             <a:prstGeom prst="rect">
               <a:avLst/>
@@ -3681,10 +3408,55 @@
         </p:pic>
         <p:sp>
           <p:nvSpPr>
-            <p:cNvPr id="37" name="Freeform 36">
+            <p:cNvPr id="12" name="TextBox 11">
               <a:extLst>
                 <a:ext uri="{FF2B5EF4-FFF2-40B4-BE49-F238E27FC236}">
-                  <a16:creationId xmlns:a16="http://schemas.microsoft.com/office/drawing/2014/main" id="{7A1C9AC6-58B2-C54F-AD93-944F0077D103}"/>
+                  <a16:creationId xmlns:a16="http://schemas.microsoft.com/office/drawing/2014/main" id="{0079A4D6-085E-E344-93A4-78920A4C924A}"/>
+                </a:ext>
+              </a:extLst>
+            </p:cNvPr>
+            <p:cNvSpPr txBox="1"/>
+            <p:nvPr/>
+          </p:nvSpPr>
+          <p:spPr>
+            <a:xfrm>
+              <a:off x="7396010" y="1024678"/>
+              <a:ext cx="2295528" cy="353943"/>
+            </a:xfrm>
+            <a:prstGeom prst="rect">
+              <a:avLst/>
+            </a:prstGeom>
+            <a:noFill/>
+          </p:spPr>
+          <p:txBody>
+            <a:bodyPr wrap="square" rtlCol="0">
+              <a:spAutoFit/>
+            </a:bodyPr>
+            <a:lstStyle/>
+            <a:p>
+              <a:r>
+                <a:rPr lang="en-US" sz="1700" b="1" dirty="0">
+                  <a:solidFill>
+                    <a:schemeClr val="tx1">
+                      <a:lumMod val="75000"/>
+                      <a:lumOff val="25000"/>
+                    </a:schemeClr>
+                  </a:solidFill>
+                  <a:latin typeface="Arial" panose="020B0604020202020204" pitchFamily="34" charset="0"/>
+                  <a:ea typeface="Helvetica Neue" panose="02000503000000020004" pitchFamily="2" charset="0"/>
+                  <a:cs typeface="Arial" panose="020B0604020202020204" pitchFamily="34" charset="0"/>
+                </a:rPr>
+                <a:t>External Databases</a:t>
+              </a:r>
+            </a:p>
+          </p:txBody>
+        </p:sp>
+        <p:sp>
+          <p:nvSpPr>
+            <p:cNvPr id="17" name="Rectangle 16">
+              <a:extLst>
+                <a:ext uri="{FF2B5EF4-FFF2-40B4-BE49-F238E27FC236}">
+                  <a16:creationId xmlns:a16="http://schemas.microsoft.com/office/drawing/2014/main" id="{EFB6B967-A38C-1842-A78C-B945EB2CF8D8}"/>
                 </a:ext>
               </a:extLst>
             </p:cNvPr>
@@ -3693,70 +3465,17 @@
           </p:nvSpPr>
           <p:spPr>
             <a:xfrm>
-              <a:off x="9052019" y="3457406"/>
-              <a:ext cx="957685" cy="86570"/>
+              <a:off x="2268638" y="4560426"/>
+              <a:ext cx="1012785" cy="746567"/>
             </a:xfrm>
-            <a:custGeom>
+            <a:prstGeom prst="rect">
               <a:avLst/>
-              <a:gdLst>
-                <a:gd name="connsiteX0" fmla="*/ 0 w 957685"/>
-                <a:gd name="connsiteY0" fmla="*/ 0 h 86570"/>
-                <a:gd name="connsiteX1" fmla="*/ 957685 w 957685"/>
-                <a:gd name="connsiteY1" fmla="*/ 0 h 86570"/>
-                <a:gd name="connsiteX2" fmla="*/ 957685 w 957685"/>
-                <a:gd name="connsiteY2" fmla="*/ 81160 h 86570"/>
-                <a:gd name="connsiteX3" fmla="*/ 5411 w 957685"/>
-                <a:gd name="connsiteY3" fmla="*/ 86570 h 86570"/>
-                <a:gd name="connsiteX4" fmla="*/ 0 w 957685"/>
-                <a:gd name="connsiteY4" fmla="*/ 0 h 86570"/>
-              </a:gdLst>
-              <a:ahLst/>
-              <a:cxnLst>
-                <a:cxn ang="0">
-                  <a:pos x="connsiteX0" y="connsiteY0"/>
-                </a:cxn>
-                <a:cxn ang="0">
-                  <a:pos x="connsiteX1" y="connsiteY1"/>
-                </a:cxn>
-                <a:cxn ang="0">
-                  <a:pos x="connsiteX2" y="connsiteY2"/>
-                </a:cxn>
-                <a:cxn ang="0">
-                  <a:pos x="connsiteX3" y="connsiteY3"/>
-                </a:cxn>
-                <a:cxn ang="0">
-                  <a:pos x="connsiteX4" y="connsiteY4"/>
-                </a:cxn>
-              </a:cxnLst>
-              <a:rect l="l" t="t" r="r" b="b"/>
-              <a:pathLst>
-                <a:path w="957685" h="86570">
-                  <a:moveTo>
-                    <a:pt x="0" y="0"/>
-                  </a:moveTo>
-                  <a:lnTo>
-                    <a:pt x="957685" y="0"/>
-                  </a:lnTo>
-                  <a:lnTo>
-                    <a:pt x="957685" y="81160"/>
-                  </a:lnTo>
-                  <a:lnTo>
-                    <a:pt x="5411" y="86570"/>
-                  </a:lnTo>
-                  <a:lnTo>
-                    <a:pt x="0" y="0"/>
-                  </a:lnTo>
-                  <a:close/>
-                </a:path>
-              </a:pathLst>
-            </a:custGeom>
+            </a:prstGeom>
             <a:solidFill>
               <a:schemeClr val="bg1"/>
             </a:solidFill>
             <a:ln>
-              <a:solidFill>
-                <a:schemeClr val="bg1"/>
-              </a:solidFill>
+              <a:noFill/>
             </a:ln>
           </p:spPr>
           <p:style>
@@ -3784,65 +3503,367 @@
             </a:p>
           </p:txBody>
         </p:sp>
+        <p:pic>
+          <p:nvPicPr>
+            <p:cNvPr id="20" name="Picture 19">
+              <a:extLst>
+                <a:ext uri="{FF2B5EF4-FFF2-40B4-BE49-F238E27FC236}">
+                  <a16:creationId xmlns:a16="http://schemas.microsoft.com/office/drawing/2014/main" id="{6210132C-B9A7-1F41-8D80-8CCBED5E1069}"/>
+                </a:ext>
+              </a:extLst>
+            </p:cNvPr>
+            <p:cNvPicPr>
+              <a:picLocks noChangeAspect="1"/>
+            </p:cNvPicPr>
+            <p:nvPr/>
+          </p:nvPicPr>
+          <p:blipFill>
+            <a:blip r:embed="rId4"/>
+            <a:stretch>
+              <a:fillRect/>
+            </a:stretch>
+          </p:blipFill>
+          <p:spPr>
+            <a:xfrm>
+              <a:off x="2426575" y="4678824"/>
+              <a:ext cx="727526" cy="471909"/>
+            </a:xfrm>
+            <a:prstGeom prst="rect">
+              <a:avLst/>
+            </a:prstGeom>
+          </p:spPr>
+        </p:pic>
+        <p:pic>
+          <p:nvPicPr>
+            <p:cNvPr id="25" name="Picture 24">
+              <a:extLst>
+                <a:ext uri="{FF2B5EF4-FFF2-40B4-BE49-F238E27FC236}">
+                  <a16:creationId xmlns:a16="http://schemas.microsoft.com/office/drawing/2014/main" id="{BBCBD00E-DC95-FA4C-B4E5-81CBFF55EBC9}"/>
+                </a:ext>
+              </a:extLst>
+            </p:cNvPr>
+            <p:cNvPicPr>
+              <a:picLocks noChangeAspect="1"/>
+            </p:cNvPicPr>
+            <p:nvPr/>
+          </p:nvPicPr>
+          <p:blipFill rotWithShape="1">
+            <a:blip r:embed="rId2"/>
+            <a:srcRect l="21873" t="65837" r="73046" b="32825"/>
+            <a:stretch/>
+          </p:blipFill>
+          <p:spPr>
+            <a:xfrm>
+              <a:off x="7992622" y="4199028"/>
+              <a:ext cx="468775" cy="69448"/>
+            </a:xfrm>
+            <a:prstGeom prst="rect">
+              <a:avLst/>
+            </a:prstGeom>
+          </p:spPr>
+        </p:pic>
+        <p:pic>
+          <p:nvPicPr>
+            <p:cNvPr id="26" name="Picture 25">
+              <a:extLst>
+                <a:ext uri="{FF2B5EF4-FFF2-40B4-BE49-F238E27FC236}">
+                  <a16:creationId xmlns:a16="http://schemas.microsoft.com/office/drawing/2014/main" id="{484952A2-681C-434E-861B-FD70274A2764}"/>
+                </a:ext>
+              </a:extLst>
+            </p:cNvPr>
+            <p:cNvPicPr>
+              <a:picLocks noChangeAspect="1"/>
+            </p:cNvPicPr>
+            <p:nvPr/>
+          </p:nvPicPr>
+          <p:blipFill rotWithShape="1">
+            <a:blip r:embed="rId2"/>
+            <a:srcRect l="21873" t="65837" r="73046" b="32825"/>
+            <a:stretch/>
+          </p:blipFill>
+          <p:spPr>
+            <a:xfrm>
+              <a:off x="7992622" y="4914778"/>
+              <a:ext cx="468775" cy="69448"/>
+            </a:xfrm>
+            <a:prstGeom prst="rect">
+              <a:avLst/>
+            </a:prstGeom>
+          </p:spPr>
+        </p:pic>
+        <p:pic>
+          <p:nvPicPr>
+            <p:cNvPr id="28" name="Picture 27">
+              <a:extLst>
+                <a:ext uri="{FF2B5EF4-FFF2-40B4-BE49-F238E27FC236}">
+                  <a16:creationId xmlns:a16="http://schemas.microsoft.com/office/drawing/2014/main" id="{41A8B85B-242F-624D-8BC0-7C4A41836198}"/>
+                </a:ext>
+              </a:extLst>
+            </p:cNvPr>
+            <p:cNvPicPr>
+              <a:picLocks noChangeAspect="1"/>
+            </p:cNvPicPr>
+            <p:nvPr/>
+          </p:nvPicPr>
+          <p:blipFill rotWithShape="1">
+            <a:blip r:embed="rId5"/>
+            <a:srcRect t="27956" b="28609"/>
+            <a:stretch/>
+          </p:blipFill>
+          <p:spPr>
+            <a:xfrm>
+              <a:off x="8604648" y="4773530"/>
+              <a:ext cx="650389" cy="282496"/>
+            </a:xfrm>
+            <a:prstGeom prst="rect">
+              <a:avLst/>
+            </a:prstGeom>
+          </p:spPr>
+        </p:pic>
+        <p:grpSp>
+          <p:nvGrpSpPr>
+            <p:cNvPr id="38" name="Group 37">
+              <a:extLst>
+                <a:ext uri="{FF2B5EF4-FFF2-40B4-BE49-F238E27FC236}">
+                  <a16:creationId xmlns:a16="http://schemas.microsoft.com/office/drawing/2014/main" id="{86BAAE6D-A1FB-6B42-930F-FE9E8328DFDB}"/>
+                </a:ext>
+              </a:extLst>
+            </p:cNvPr>
+            <p:cNvGrpSpPr/>
+            <p:nvPr/>
+          </p:nvGrpSpPr>
+          <p:grpSpPr>
+            <a:xfrm rot="-3900000">
+              <a:off x="7408025" y="3141339"/>
+              <a:ext cx="1346569" cy="214090"/>
+              <a:chOff x="8822869" y="3457406"/>
+              <a:chExt cx="1482404" cy="214090"/>
+            </a:xfrm>
+          </p:grpSpPr>
+          <p:pic>
+            <p:nvPicPr>
+              <p:cNvPr id="36" name="Picture 35">
+                <a:extLst>
+                  <a:ext uri="{FF2B5EF4-FFF2-40B4-BE49-F238E27FC236}">
+                    <a16:creationId xmlns:a16="http://schemas.microsoft.com/office/drawing/2014/main" id="{2FEB3664-519E-7743-8C94-4DBF1EB3A633}"/>
+                  </a:ext>
+                </a:extLst>
+              </p:cNvPr>
+              <p:cNvPicPr>
+                <a:picLocks noChangeAspect="1"/>
+              </p:cNvPicPr>
+              <p:nvPr/>
+            </p:nvPicPr>
+            <p:blipFill rotWithShape="1">
+              <a:blip r:embed="rId2"/>
+              <a:srcRect l="41808" t="71615" r="41887" b="24944"/>
+              <a:stretch/>
+            </p:blipFill>
+            <p:spPr>
+              <a:xfrm>
+                <a:off x="8822869" y="3492945"/>
+                <a:ext cx="1482404" cy="178551"/>
+              </a:xfrm>
+              <a:prstGeom prst="rect">
+                <a:avLst/>
+              </a:prstGeom>
+            </p:spPr>
+          </p:pic>
+          <p:sp>
+            <p:nvSpPr>
+              <p:cNvPr id="37" name="Freeform 36">
+                <a:extLst>
+                  <a:ext uri="{FF2B5EF4-FFF2-40B4-BE49-F238E27FC236}">
+                    <a16:creationId xmlns:a16="http://schemas.microsoft.com/office/drawing/2014/main" id="{7A1C9AC6-58B2-C54F-AD93-944F0077D103}"/>
+                  </a:ext>
+                </a:extLst>
+              </p:cNvPr>
+              <p:cNvSpPr/>
+              <p:nvPr/>
+            </p:nvSpPr>
+            <p:spPr>
+              <a:xfrm>
+                <a:off x="9052019" y="3457406"/>
+                <a:ext cx="957685" cy="86570"/>
+              </a:xfrm>
+              <a:custGeom>
+                <a:avLst/>
+                <a:gdLst>
+                  <a:gd name="connsiteX0" fmla="*/ 0 w 957685"/>
+                  <a:gd name="connsiteY0" fmla="*/ 0 h 86570"/>
+                  <a:gd name="connsiteX1" fmla="*/ 957685 w 957685"/>
+                  <a:gd name="connsiteY1" fmla="*/ 0 h 86570"/>
+                  <a:gd name="connsiteX2" fmla="*/ 957685 w 957685"/>
+                  <a:gd name="connsiteY2" fmla="*/ 81160 h 86570"/>
+                  <a:gd name="connsiteX3" fmla="*/ 5411 w 957685"/>
+                  <a:gd name="connsiteY3" fmla="*/ 86570 h 86570"/>
+                  <a:gd name="connsiteX4" fmla="*/ 0 w 957685"/>
+                  <a:gd name="connsiteY4" fmla="*/ 0 h 86570"/>
+                </a:gdLst>
+                <a:ahLst/>
+                <a:cxnLst>
+                  <a:cxn ang="0">
+                    <a:pos x="connsiteX0" y="connsiteY0"/>
+                  </a:cxn>
+                  <a:cxn ang="0">
+                    <a:pos x="connsiteX1" y="connsiteY1"/>
+                  </a:cxn>
+                  <a:cxn ang="0">
+                    <a:pos x="connsiteX2" y="connsiteY2"/>
+                  </a:cxn>
+                  <a:cxn ang="0">
+                    <a:pos x="connsiteX3" y="connsiteY3"/>
+                  </a:cxn>
+                  <a:cxn ang="0">
+                    <a:pos x="connsiteX4" y="connsiteY4"/>
+                  </a:cxn>
+                </a:cxnLst>
+                <a:rect l="l" t="t" r="r" b="b"/>
+                <a:pathLst>
+                  <a:path w="957685" h="86570">
+                    <a:moveTo>
+                      <a:pt x="0" y="0"/>
+                    </a:moveTo>
+                    <a:lnTo>
+                      <a:pt x="957685" y="0"/>
+                    </a:lnTo>
+                    <a:lnTo>
+                      <a:pt x="957685" y="81160"/>
+                    </a:lnTo>
+                    <a:lnTo>
+                      <a:pt x="5411" y="86570"/>
+                    </a:lnTo>
+                    <a:lnTo>
+                      <a:pt x="0" y="0"/>
+                    </a:lnTo>
+                    <a:close/>
+                  </a:path>
+                </a:pathLst>
+              </a:custGeom>
+              <a:solidFill>
+                <a:schemeClr val="bg1"/>
+              </a:solidFill>
+              <a:ln>
+                <a:solidFill>
+                  <a:schemeClr val="bg1"/>
+                </a:solidFill>
+              </a:ln>
+            </p:spPr>
+            <p:style>
+              <a:lnRef idx="2">
+                <a:schemeClr val="accent1">
+                  <a:shade val="50000"/>
+                </a:schemeClr>
+              </a:lnRef>
+              <a:fillRef idx="1">
+                <a:schemeClr val="accent1"/>
+              </a:fillRef>
+              <a:effectRef idx="0">
+                <a:schemeClr val="accent1"/>
+              </a:effectRef>
+              <a:fontRef idx="minor">
+                <a:schemeClr val="lt1"/>
+              </a:fontRef>
+            </p:style>
+            <p:txBody>
+              <a:bodyPr rtlCol="0" anchor="ctr"/>
+              <a:lstStyle/>
+              <a:p>
+                <a:pPr algn="ctr"/>
+                <a:endParaRPr lang="en-US"/>
+              </a:p>
+            </p:txBody>
+          </p:sp>
+        </p:grpSp>
+        <p:pic>
+          <p:nvPicPr>
+            <p:cNvPr id="40" name="Picture 39">
+              <a:extLst>
+                <a:ext uri="{FF2B5EF4-FFF2-40B4-BE49-F238E27FC236}">
+                  <a16:creationId xmlns:a16="http://schemas.microsoft.com/office/drawing/2014/main" id="{9845ED5B-FB2F-F34A-A5E8-D3D420A0DDC5}"/>
+                </a:ext>
+              </a:extLst>
+            </p:cNvPr>
+            <p:cNvPicPr>
+              <a:picLocks noChangeAspect="1"/>
+            </p:cNvPicPr>
+            <p:nvPr/>
+          </p:nvPicPr>
+          <p:blipFill rotWithShape="1">
+            <a:blip r:embed="rId6"/>
+            <a:srcRect l="23193" t="14225" r="22764" b="14457"/>
+            <a:stretch/>
+          </p:blipFill>
+          <p:spPr>
+            <a:xfrm>
+              <a:off x="2620012" y="3027274"/>
+              <a:ext cx="1179378" cy="486728"/>
+            </a:xfrm>
+            <a:prstGeom prst="rect">
+              <a:avLst/>
+            </a:prstGeom>
+          </p:spPr>
+        </p:pic>
+        <p:pic>
+          <p:nvPicPr>
+            <p:cNvPr id="41" name="Picture 40">
+              <a:extLst>
+                <a:ext uri="{FF2B5EF4-FFF2-40B4-BE49-F238E27FC236}">
+                  <a16:creationId xmlns:a16="http://schemas.microsoft.com/office/drawing/2014/main" id="{D6C6FA64-20DC-4649-97DB-793233B55C61}"/>
+                </a:ext>
+              </a:extLst>
+            </p:cNvPr>
+            <p:cNvPicPr>
+              <a:picLocks noChangeAspect="1"/>
+            </p:cNvPicPr>
+            <p:nvPr/>
+          </p:nvPicPr>
+          <p:blipFill rotWithShape="1">
+            <a:blip r:embed="rId2"/>
+            <a:srcRect l="21873" t="65837" r="73046" b="32825"/>
+            <a:stretch/>
+          </p:blipFill>
+          <p:spPr>
+            <a:xfrm rot="3000000">
+              <a:off x="3514056" y="3690932"/>
+              <a:ext cx="468775" cy="69448"/>
+            </a:xfrm>
+            <a:prstGeom prst="rect">
+              <a:avLst/>
+            </a:prstGeom>
+          </p:spPr>
+        </p:pic>
+        <p:pic>
+          <p:nvPicPr>
+            <p:cNvPr id="3" name="Picture 2">
+              <a:extLst>
+                <a:ext uri="{FF2B5EF4-FFF2-40B4-BE49-F238E27FC236}">
+                  <a16:creationId xmlns:a16="http://schemas.microsoft.com/office/drawing/2014/main" id="{EFBD10CC-6679-5645-BF6B-203B4D9B421D}"/>
+                </a:ext>
+              </a:extLst>
+            </p:cNvPr>
+            <p:cNvPicPr>
+              <a:picLocks noChangeAspect="1"/>
+            </p:cNvPicPr>
+            <p:nvPr/>
+          </p:nvPicPr>
+          <p:blipFill>
+            <a:blip r:embed="rId7"/>
+            <a:stretch>
+              <a:fillRect/>
+            </a:stretch>
+          </p:blipFill>
+          <p:spPr>
+            <a:xfrm>
+              <a:off x="8604648" y="4056547"/>
+              <a:ext cx="1086890" cy="423857"/>
+            </a:xfrm>
+            <a:prstGeom prst="rect">
+              <a:avLst/>
+            </a:prstGeom>
+          </p:spPr>
+        </p:pic>
       </p:grpSp>
-      <p:pic>
-        <p:nvPicPr>
-          <p:cNvPr id="40" name="Picture 39">
-            <a:extLst>
-              <a:ext uri="{FF2B5EF4-FFF2-40B4-BE49-F238E27FC236}">
-                <a16:creationId xmlns:a16="http://schemas.microsoft.com/office/drawing/2014/main" id="{9845ED5B-FB2F-F34A-A5E8-D3D420A0DDC5}"/>
-              </a:ext>
-            </a:extLst>
-          </p:cNvPr>
-          <p:cNvPicPr>
-            <a:picLocks noChangeAspect="1"/>
-          </p:cNvPicPr>
-          <p:nvPr/>
-        </p:nvPicPr>
-        <p:blipFill rotWithShape="1">
-          <a:blip r:embed="rId7"/>
-          <a:srcRect l="23193" t="14225" r="22764" b="14457"/>
-          <a:stretch/>
-        </p:blipFill>
-        <p:spPr>
-          <a:xfrm>
-            <a:off x="3019338" y="2986763"/>
-            <a:ext cx="1179378" cy="486728"/>
-          </a:xfrm>
-          <a:prstGeom prst="rect">
-            <a:avLst/>
-          </a:prstGeom>
-        </p:spPr>
-      </p:pic>
-      <p:pic>
-        <p:nvPicPr>
-          <p:cNvPr id="41" name="Picture 40">
-            <a:extLst>
-              <a:ext uri="{FF2B5EF4-FFF2-40B4-BE49-F238E27FC236}">
-                <a16:creationId xmlns:a16="http://schemas.microsoft.com/office/drawing/2014/main" id="{D6C6FA64-20DC-4649-97DB-793233B55C61}"/>
-              </a:ext>
-            </a:extLst>
-          </p:cNvPr>
-          <p:cNvPicPr>
-            <a:picLocks noChangeAspect="1"/>
-          </p:cNvPicPr>
-          <p:nvPr/>
-        </p:nvPicPr>
-        <p:blipFill rotWithShape="1">
-          <a:blip r:embed="rId2"/>
-          <a:srcRect l="21873" t="65837" r="73046" b="32825"/>
-          <a:stretch/>
-        </p:blipFill>
-        <p:spPr>
-          <a:xfrm rot="3000000">
-            <a:off x="3913382" y="3650421"/>
-            <a:ext cx="468775" cy="69448"/>
-          </a:xfrm>
-          <a:prstGeom prst="rect">
-            <a:avLst/>
-          </a:prstGeom>
-        </p:spPr>
-      </p:pic>
     </p:spTree>
     <p:extLst>
       <p:ext uri="{BB962C8B-B14F-4D97-AF65-F5344CB8AC3E}">

--- a/images/gfw-figures.pptx
+++ b/images/gfw-figures.pptx
@@ -7,6 +7,7 @@
   <p:sldIdLst>
     <p:sldId id="256" r:id="rId2"/>
     <p:sldId id="257" r:id="rId3"/>
+    <p:sldId id="258" r:id="rId4"/>
   </p:sldIdLst>
   <p:sldSz cx="12192000" cy="6858000"/>
   <p:notesSz cx="6858000" cy="9144000"/>
@@ -3916,6 +3917,106 @@
         </p:blipFill>
         <p:spPr>
           <a:xfrm>
+            <a:off x="1875099" y="900175"/>
+            <a:ext cx="4149053" cy="4553587"/>
+          </a:xfrm>
+          <a:prstGeom prst="rect">
+            <a:avLst/>
+          </a:prstGeom>
+          <a:ln w="12700">
+            <a:solidFill>
+              <a:schemeClr val="bg1"/>
+            </a:solidFill>
+          </a:ln>
+        </p:spPr>
+      </p:pic>
+      <p:pic>
+        <p:nvPicPr>
+          <p:cNvPr id="7" name="Picture 6">
+            <a:extLst>
+              <a:ext uri="{FF2B5EF4-FFF2-40B4-BE49-F238E27FC236}">
+                <a16:creationId xmlns:a16="http://schemas.microsoft.com/office/drawing/2014/main" id="{B82BEF82-0865-984A-9117-0E547ED3C1A5}"/>
+              </a:ext>
+            </a:extLst>
+          </p:cNvPr>
+          <p:cNvPicPr>
+            <a:picLocks noChangeAspect="1"/>
+          </p:cNvPicPr>
+          <p:nvPr/>
+        </p:nvPicPr>
+        <p:blipFill>
+          <a:blip r:embed="rId3"/>
+          <a:stretch>
+            <a:fillRect/>
+          </a:stretch>
+        </p:blipFill>
+        <p:spPr>
+          <a:xfrm>
+            <a:off x="6024151" y="900176"/>
+            <a:ext cx="4149053" cy="4553586"/>
+          </a:xfrm>
+          <a:prstGeom prst="rect">
+            <a:avLst/>
+          </a:prstGeom>
+          <a:ln w="12700">
+            <a:solidFill>
+              <a:schemeClr val="bg1"/>
+            </a:solidFill>
+          </a:ln>
+        </p:spPr>
+      </p:pic>
+    </p:spTree>
+    <p:extLst>
+      <p:ext uri="{BB962C8B-B14F-4D97-AF65-F5344CB8AC3E}">
+        <p14:creationId xmlns:p14="http://schemas.microsoft.com/office/powerpoint/2010/main" val="4202556030"/>
+      </p:ext>
+    </p:extLst>
+  </p:cSld>
+  <p:clrMapOvr>
+    <a:masterClrMapping/>
+  </p:clrMapOvr>
+</p:sld>
+</file>
+
+<file path=ppt/slides/slide3.xml><?xml version="1.0" encoding="utf-8"?>
+<p:sld xmlns:a="http://schemas.openxmlformats.org/drawingml/2006/main" xmlns:r="http://schemas.openxmlformats.org/officeDocument/2006/relationships" xmlns:p="http://schemas.openxmlformats.org/presentationml/2006/main">
+  <p:cSld>
+    <p:spTree>
+      <p:nvGrpSpPr>
+        <p:cNvPr id="1" name=""/>
+        <p:cNvGrpSpPr/>
+        <p:nvPr/>
+      </p:nvGrpSpPr>
+      <p:grpSpPr>
+        <a:xfrm>
+          <a:off x="0" y="0"/>
+          <a:ext cx="0" cy="0"/>
+          <a:chOff x="0" y="0"/>
+          <a:chExt cx="0" cy="0"/>
+        </a:xfrm>
+      </p:grpSpPr>
+      <p:pic>
+        <p:nvPicPr>
+          <p:cNvPr id="5" name="Picture 4">
+            <a:extLst>
+              <a:ext uri="{FF2B5EF4-FFF2-40B4-BE49-F238E27FC236}">
+                <a16:creationId xmlns:a16="http://schemas.microsoft.com/office/drawing/2014/main" id="{A2713714-5F4F-394C-9E7D-7C2C565EE382}"/>
+              </a:ext>
+            </a:extLst>
+          </p:cNvPr>
+          <p:cNvPicPr>
+            <a:picLocks noChangeAspect="1"/>
+          </p:cNvPicPr>
+          <p:nvPr/>
+        </p:nvPicPr>
+        <p:blipFill>
+          <a:blip r:embed="rId2"/>
+          <a:stretch>
+            <a:fillRect/>
+          </a:stretch>
+        </p:blipFill>
+        <p:spPr>
+          <a:xfrm>
             <a:off x="285532" y="1246577"/>
             <a:ext cx="3880884" cy="4259271"/>
           </a:xfrm>
@@ -3996,7 +4097,7 @@
     </p:spTree>
     <p:extLst>
       <p:ext uri="{BB962C8B-B14F-4D97-AF65-F5344CB8AC3E}">
-        <p14:creationId xmlns:p14="http://schemas.microsoft.com/office/powerpoint/2010/main" val="4202556030"/>
+        <p14:creationId xmlns:p14="http://schemas.microsoft.com/office/powerpoint/2010/main" val="3612606932"/>
       </p:ext>
     </p:extLst>
   </p:cSld>

--- a/images/gfw-figures.pptx
+++ b/images/gfw-figures.pptx
@@ -8,6 +8,7 @@
     <p:sldId id="256" r:id="rId2"/>
     <p:sldId id="257" r:id="rId3"/>
     <p:sldId id="258" r:id="rId4"/>
+    <p:sldId id="259" r:id="rId5"/>
   </p:sldIdLst>
   <p:sldSz cx="12192000" cy="6858000"/>
   <p:notesSz cx="6858000" cy="9144000"/>
@@ -4107,6 +4108,95 @@
 </p:sld>
 </file>
 
+<file path=ppt/slides/slide4.xml><?xml version="1.0" encoding="utf-8"?>
+<p:sld xmlns:a="http://schemas.openxmlformats.org/drawingml/2006/main" xmlns:r="http://schemas.openxmlformats.org/officeDocument/2006/relationships" xmlns:p="http://schemas.openxmlformats.org/presentationml/2006/main">
+  <p:cSld>
+    <p:spTree>
+      <p:nvGrpSpPr>
+        <p:cNvPr id="1" name=""/>
+        <p:cNvGrpSpPr/>
+        <p:nvPr/>
+      </p:nvGrpSpPr>
+      <p:grpSpPr>
+        <a:xfrm>
+          <a:off x="0" y="0"/>
+          <a:ext cx="0" cy="0"/>
+          <a:chOff x="0" y="0"/>
+          <a:chExt cx="0" cy="0"/>
+        </a:xfrm>
+      </p:grpSpPr>
+      <p:pic>
+        <p:nvPicPr>
+          <p:cNvPr id="5" name="Picture 4">
+            <a:extLst>
+              <a:ext uri="{FF2B5EF4-FFF2-40B4-BE49-F238E27FC236}">
+                <a16:creationId xmlns:a16="http://schemas.microsoft.com/office/drawing/2014/main" id="{06054B77-1CB7-1C4C-9539-C10EC332559B}"/>
+              </a:ext>
+            </a:extLst>
+          </p:cNvPr>
+          <p:cNvPicPr>
+            <a:picLocks noChangeAspect="1"/>
+          </p:cNvPicPr>
+          <p:nvPr/>
+        </p:nvPicPr>
+        <p:blipFill>
+          <a:blip r:embed="rId2"/>
+          <a:stretch>
+            <a:fillRect/>
+          </a:stretch>
+        </p:blipFill>
+        <p:spPr>
+          <a:xfrm>
+            <a:off x="2339785" y="1868359"/>
+            <a:ext cx="3916331" cy="2819388"/>
+          </a:xfrm>
+          <a:prstGeom prst="rect">
+            <a:avLst/>
+          </a:prstGeom>
+        </p:spPr>
+      </p:pic>
+      <p:pic>
+        <p:nvPicPr>
+          <p:cNvPr id="7" name="Picture 6">
+            <a:extLst>
+              <a:ext uri="{FF2B5EF4-FFF2-40B4-BE49-F238E27FC236}">
+                <a16:creationId xmlns:a16="http://schemas.microsoft.com/office/drawing/2014/main" id="{5C7685FB-C395-D94A-A4F7-18947C7A4A35}"/>
+              </a:ext>
+            </a:extLst>
+          </p:cNvPr>
+          <p:cNvPicPr>
+            <a:picLocks noChangeAspect="1"/>
+          </p:cNvPicPr>
+          <p:nvPr/>
+        </p:nvPicPr>
+        <p:blipFill rotWithShape="1">
+          <a:blip r:embed="rId3"/>
+          <a:srcRect l="7065" t="5278" b="2466"/>
+          <a:stretch/>
+        </p:blipFill>
+        <p:spPr>
+          <a:xfrm>
+            <a:off x="6418163" y="1978794"/>
+            <a:ext cx="2853159" cy="2598518"/>
+          </a:xfrm>
+          <a:prstGeom prst="rect">
+            <a:avLst/>
+          </a:prstGeom>
+        </p:spPr>
+      </p:pic>
+    </p:spTree>
+    <p:extLst>
+      <p:ext uri="{BB962C8B-B14F-4D97-AF65-F5344CB8AC3E}">
+        <p14:creationId xmlns:p14="http://schemas.microsoft.com/office/powerpoint/2010/main" val="2605000589"/>
+      </p:ext>
+    </p:extLst>
+  </p:cSld>
+  <p:clrMapOvr>
+    <a:masterClrMapping/>
+  </p:clrMapOvr>
+</p:sld>
+</file>
+
 <file path=ppt/theme/theme1.xml><?xml version="1.0" encoding="utf-8"?>
 <a:theme xmlns:a="http://schemas.openxmlformats.org/drawingml/2006/main" name="Office Theme">
   <a:themeElements>

--- a/images/gfw-figures.pptx
+++ b/images/gfw-figures.pptx
@@ -4171,13 +4171,13 @@
         </p:nvPicPr>
         <p:blipFill rotWithShape="1">
           <a:blip r:embed="rId3"/>
-          <a:srcRect l="7065" t="5278" b="2466"/>
+          <a:srcRect l="11226" t="5278" r="3369" b="2466"/>
           <a:stretch/>
         </p:blipFill>
         <p:spPr>
           <a:xfrm>
-            <a:off x="6418163" y="1978794"/>
-            <a:ext cx="2853159" cy="2598518"/>
+            <a:off x="6441312" y="2042044"/>
+            <a:ext cx="2494344" cy="2472017"/>
           </a:xfrm>
           <a:prstGeom prst="rect">
             <a:avLst/>
